--- a/presentation.pptx
+++ b/presentation.pptx
@@ -3870,6 +3870,12 @@
               <a:t>Helps capture context going both ways</a:t>
             </a:r>
           </a:p>
+          <a:p>
+            <a:r>
+              <a:rPr lang="en-US" dirty="0"/>
+              <a:t>Trained using Masked Language Modeling and Next Sentence Prediction (more on next slide)</a:t>
+            </a:r>
+          </a:p>
         </p:txBody>
       </p:sp>
     </p:spTree>
@@ -3954,19 +3960,19 @@
           <a:p>
             <a:r>
               <a:rPr lang="en-US" dirty="0"/>
-              <a:t>Masked Language Modeling</a:t>
+              <a:t>Masked Language Modeling (MLM)</a:t>
             </a:r>
           </a:p>
           <a:p>
             <a:r>
               <a:rPr lang="en-US" dirty="0"/>
-              <a:t>Next sentence prediction</a:t>
+              <a:t>Next sentence prediction (NSP)</a:t>
             </a:r>
           </a:p>
           <a:p>
             <a:r>
               <a:rPr lang="en-US" dirty="0"/>
-              <a:t>Many different ways</a:t>
+              <a:t>Many different ways to train</a:t>
             </a:r>
           </a:p>
         </p:txBody>
@@ -4227,6 +4233,13 @@
             <a:r>
               <a:rPr lang="en-US" dirty="0"/>
               <a:t>Adjusting the weights by doing Masked Language Modeling on our dataset</a:t>
+            </a:r>
+          </a:p>
+          <a:p>
+            <a:pPr lvl="2"/>
+            <a:r>
+              <a:rPr lang="en-US" dirty="0"/>
+              <a:t>Optimize them to predict the correct word</a:t>
             </a:r>
           </a:p>
         </p:txBody>
